--- a/Dados/Gráficos.pptx
+++ b/Dados/Gráficos.pptx
@@ -479,7 +479,7 @@
         </c:scaling>
         <c:delete val="0"/>
         <c:axPos val="r"/>
-        <c:numFmt formatCode="General" sourceLinked="1"/>
+        <c:numFmt formatCode="0%" sourceLinked="0"/>
         <c:majorTickMark val="out"/>
         <c:minorTickMark val="none"/>
         <c:tickLblPos val="nextTo"/>
@@ -809,7 +809,19 @@
             <a:effectLst/>
           </c:spPr>
           <c:marker>
-            <c:symbol val="none"/>
+            <c:symbol val="circle"/>
+            <c:size val="5"/>
+            <c:spPr>
+              <a:solidFill>
+                <a:schemeClr val="accent3"/>
+              </a:solidFill>
+              <a:ln w="9525">
+                <a:solidFill>
+                  <a:schemeClr val="accent3"/>
+                </a:solidFill>
+              </a:ln>
+              <a:effectLst/>
+            </c:spPr>
           </c:marker>
           <c:cat>
             <c:numRef>
@@ -886,7 +898,19 @@
             <a:effectLst/>
           </c:spPr>
           <c:marker>
-            <c:symbol val="none"/>
+            <c:symbol val="circle"/>
+            <c:size val="5"/>
+            <c:spPr>
+              <a:solidFill>
+                <a:schemeClr val="tx1"/>
+              </a:solidFill>
+              <a:ln w="9525">
+                <a:solidFill>
+                  <a:schemeClr val="tx1"/>
+                </a:solidFill>
+              </a:ln>
+              <a:effectLst/>
+            </c:spPr>
           </c:marker>
           <c:cat>
             <c:numRef>
@@ -1064,7 +1088,7 @@
         </c:scaling>
         <c:delete val="0"/>
         <c:axPos val="r"/>
-        <c:numFmt formatCode="General" sourceLinked="1"/>
+        <c:numFmt formatCode="0%" sourceLinked="0"/>
         <c:majorTickMark val="out"/>
         <c:minorTickMark val="none"/>
         <c:tickLblPos val="nextTo"/>
@@ -2427,7 +2451,7 @@
           <a:p>
             <a:fld id="{1864507E-E1F7-4ED9-9365-FCA45518AFA1}" type="datetimeFigureOut">
               <a:rPr lang="pt-BR" smtClean="0"/>
-              <a:t>15/07/2019</a:t>
+              <a:t>19/07/2019</a:t>
             </a:fld>
             <a:endParaRPr lang="pt-BR"/>
           </a:p>
@@ -2625,7 +2649,7 @@
           <a:p>
             <a:fld id="{1864507E-E1F7-4ED9-9365-FCA45518AFA1}" type="datetimeFigureOut">
               <a:rPr lang="pt-BR" smtClean="0"/>
-              <a:t>15/07/2019</a:t>
+              <a:t>19/07/2019</a:t>
             </a:fld>
             <a:endParaRPr lang="pt-BR"/>
           </a:p>
@@ -2833,7 +2857,7 @@
           <a:p>
             <a:fld id="{1864507E-E1F7-4ED9-9365-FCA45518AFA1}" type="datetimeFigureOut">
               <a:rPr lang="pt-BR" smtClean="0"/>
-              <a:t>15/07/2019</a:t>
+              <a:t>19/07/2019</a:t>
             </a:fld>
             <a:endParaRPr lang="pt-BR"/>
           </a:p>
@@ -3031,7 +3055,7 @@
           <a:p>
             <a:fld id="{1864507E-E1F7-4ED9-9365-FCA45518AFA1}" type="datetimeFigureOut">
               <a:rPr lang="pt-BR" smtClean="0"/>
-              <a:t>15/07/2019</a:t>
+              <a:t>19/07/2019</a:t>
             </a:fld>
             <a:endParaRPr lang="pt-BR"/>
           </a:p>
@@ -3306,7 +3330,7 @@
           <a:p>
             <a:fld id="{1864507E-E1F7-4ED9-9365-FCA45518AFA1}" type="datetimeFigureOut">
               <a:rPr lang="pt-BR" smtClean="0"/>
-              <a:t>15/07/2019</a:t>
+              <a:t>19/07/2019</a:t>
             </a:fld>
             <a:endParaRPr lang="pt-BR"/>
           </a:p>
@@ -3571,7 +3595,7 @@
           <a:p>
             <a:fld id="{1864507E-E1F7-4ED9-9365-FCA45518AFA1}" type="datetimeFigureOut">
               <a:rPr lang="pt-BR" smtClean="0"/>
-              <a:t>15/07/2019</a:t>
+              <a:t>19/07/2019</a:t>
             </a:fld>
             <a:endParaRPr lang="pt-BR"/>
           </a:p>
@@ -3983,7 +4007,7 @@
           <a:p>
             <a:fld id="{1864507E-E1F7-4ED9-9365-FCA45518AFA1}" type="datetimeFigureOut">
               <a:rPr lang="pt-BR" smtClean="0"/>
-              <a:t>15/07/2019</a:t>
+              <a:t>19/07/2019</a:t>
             </a:fld>
             <a:endParaRPr lang="pt-BR"/>
           </a:p>
@@ -4124,7 +4148,7 @@
           <a:p>
             <a:fld id="{1864507E-E1F7-4ED9-9365-FCA45518AFA1}" type="datetimeFigureOut">
               <a:rPr lang="pt-BR" smtClean="0"/>
-              <a:t>15/07/2019</a:t>
+              <a:t>19/07/2019</a:t>
             </a:fld>
             <a:endParaRPr lang="pt-BR"/>
           </a:p>
@@ -4237,7 +4261,7 @@
           <a:p>
             <a:fld id="{1864507E-E1F7-4ED9-9365-FCA45518AFA1}" type="datetimeFigureOut">
               <a:rPr lang="pt-BR" smtClean="0"/>
-              <a:t>15/07/2019</a:t>
+              <a:t>19/07/2019</a:t>
             </a:fld>
             <a:endParaRPr lang="pt-BR"/>
           </a:p>
@@ -4548,7 +4572,7 @@
           <a:p>
             <a:fld id="{1864507E-E1F7-4ED9-9365-FCA45518AFA1}" type="datetimeFigureOut">
               <a:rPr lang="pt-BR" smtClean="0"/>
-              <a:t>15/07/2019</a:t>
+              <a:t>19/07/2019</a:t>
             </a:fld>
             <a:endParaRPr lang="pt-BR"/>
           </a:p>
@@ -4836,7 +4860,7 @@
           <a:p>
             <a:fld id="{1864507E-E1F7-4ED9-9365-FCA45518AFA1}" type="datetimeFigureOut">
               <a:rPr lang="pt-BR" smtClean="0"/>
-              <a:t>15/07/2019</a:t>
+              <a:t>19/07/2019</a:t>
             </a:fld>
             <a:endParaRPr lang="pt-BR"/>
           </a:p>
@@ -5077,7 +5101,7 @@
           <a:p>
             <a:fld id="{1864507E-E1F7-4ED9-9365-FCA45518AFA1}" type="datetimeFigureOut">
               <a:rPr lang="pt-BR" smtClean="0"/>
-              <a:t>15/07/2019</a:t>
+              <a:t>19/07/2019</a:t>
             </a:fld>
             <a:endParaRPr lang="pt-BR"/>
           </a:p>
@@ -5600,7 +5624,7 @@
           <p:nvPr>
             <p:extLst>
               <p:ext uri="{D42A27DB-BD31-4B8C-83A1-F6EECF244321}">
-                <p14:modId xmlns:p14="http://schemas.microsoft.com/office/powerpoint/2010/main" val="481310469"/>
+                <p14:modId xmlns:p14="http://schemas.microsoft.com/office/powerpoint/2010/main" val="838381446"/>
               </p:ext>
             </p:extLst>
           </p:nvPr>
